--- a/Презентация/Критенко.pptx
+++ b/Презентация/Критенко.pptx
@@ -334,7 +334,7 @@
             <a:fld id="{4AAD347D-5ACD-4C99-B74B-A9C85AD731AF}" type="datetimeFigureOut">
               <a:rPr lang="en-US" smtClean="0"/>
               <a:pPr/>
-              <a:t>1/15/2019</a:t>
+              <a:t>1/16/2019</a:t>
             </a:fld>
             <a:endParaRPr lang="en-US" dirty="0"/>
           </a:p>
@@ -501,7 +501,7 @@
             <a:fld id="{4509A250-FF31-4206-8172-F9D3106AACB1}" type="datetimeFigureOut">
               <a:rPr lang="en-US" smtClean="0"/>
               <a:pPr/>
-              <a:t>1/15/2019</a:t>
+              <a:t>1/16/2019</a:t>
             </a:fld>
             <a:endParaRPr lang="en-US" dirty="0"/>
           </a:p>
@@ -678,7 +678,7 @@
             <a:fld id="{4509A250-FF31-4206-8172-F9D3106AACB1}" type="datetimeFigureOut">
               <a:rPr lang="en-US" smtClean="0"/>
               <a:pPr/>
-              <a:t>1/15/2019</a:t>
+              <a:t>1/16/2019</a:t>
             </a:fld>
             <a:endParaRPr lang="en-US" dirty="0"/>
           </a:p>
@@ -845,7 +845,7 @@
             <a:fld id="{4509A250-FF31-4206-8172-F9D3106AACB1}" type="datetimeFigureOut">
               <a:rPr lang="en-US" smtClean="0"/>
               <a:pPr/>
-              <a:t>1/15/2019</a:t>
+              <a:t>1/16/2019</a:t>
             </a:fld>
             <a:endParaRPr lang="en-US" dirty="0"/>
           </a:p>
@@ -1089,7 +1089,7 @@
             <a:fld id="{9796027F-7875-4030-9381-8BD8C4F21935}" type="datetimeFigureOut">
               <a:rPr lang="en-US" smtClean="0"/>
               <a:pPr/>
-              <a:t>1/15/2019</a:t>
+              <a:t>1/16/2019</a:t>
             </a:fld>
             <a:endParaRPr lang="en-US" dirty="0"/>
           </a:p>
@@ -1355,7 +1355,7 @@
             <a:fld id="{9796027F-7875-4030-9381-8BD8C4F21935}" type="datetimeFigureOut">
               <a:rPr lang="en-US" smtClean="0"/>
               <a:pPr/>
-              <a:t>1/15/2019</a:t>
+              <a:t>1/16/2019</a:t>
             </a:fld>
             <a:endParaRPr lang="en-US" dirty="0"/>
           </a:p>
@@ -1735,7 +1735,7 @@
             <a:fld id="{9796027F-7875-4030-9381-8BD8C4F21935}" type="datetimeFigureOut">
               <a:rPr lang="en-US" smtClean="0"/>
               <a:pPr/>
-              <a:t>1/15/2019</a:t>
+              <a:t>1/16/2019</a:t>
             </a:fld>
             <a:endParaRPr lang="en-US" dirty="0"/>
           </a:p>
@@ -1887,7 +1887,7 @@
             <a:fld id="{4509A250-FF31-4206-8172-F9D3106AACB1}" type="datetimeFigureOut">
               <a:rPr lang="en-US" smtClean="0"/>
               <a:pPr/>
-              <a:t>1/15/2019</a:t>
+              <a:t>1/16/2019</a:t>
             </a:fld>
             <a:endParaRPr lang="en-US" dirty="0"/>
           </a:p>
@@ -1979,7 +1979,7 @@
             <a:fld id="{4509A250-FF31-4206-8172-F9D3106AACB1}" type="datetimeFigureOut">
               <a:rPr lang="en-US" smtClean="0"/>
               <a:pPr/>
-              <a:t>1/15/2019</a:t>
+              <a:t>1/16/2019</a:t>
             </a:fld>
             <a:endParaRPr lang="en-US" dirty="0"/>
           </a:p>
@@ -2242,7 +2242,7 @@
             <a:fld id="{4509A250-FF31-4206-8172-F9D3106AACB1}" type="datetimeFigureOut">
               <a:rPr lang="en-US" smtClean="0"/>
               <a:pPr/>
-              <a:t>1/15/2019</a:t>
+              <a:t>1/16/2019</a:t>
             </a:fld>
             <a:endParaRPr lang="en-US" dirty="0"/>
           </a:p>
@@ -2532,7 +2532,7 @@
             <a:fld id="{4509A250-FF31-4206-8172-F9D3106AACB1}" type="datetimeFigureOut">
               <a:rPr lang="en-US" smtClean="0"/>
               <a:pPr/>
-              <a:t>1/15/2019</a:t>
+              <a:t>1/16/2019</a:t>
             </a:fld>
             <a:endParaRPr lang="en-US" dirty="0"/>
           </a:p>
@@ -3305,7 +3305,7 @@
             <a:fld id="{4AAD347D-5ACD-4C99-B74B-A9C85AD731AF}" type="datetimeFigureOut">
               <a:rPr lang="en-US" smtClean="0"/>
               <a:pPr/>
-              <a:t>1/15/2019</a:t>
+              <a:t>1/16/2019</a:t>
             </a:fld>
             <a:endParaRPr lang="en-US" dirty="0"/>
           </a:p>
@@ -4207,11 +4207,7 @@
             </a:r>
             <a:r>
               <a:rPr lang="ru-RU" sz="1800" dirty="0"/>
-              <a:t> Валентин </a:t>
-            </a:r>
-            <a:r>
-              <a:rPr lang="ru-RU" sz="1800" dirty="0"/>
-              <a:t>Г</a:t>
+              <a:t> Валентин Г</a:t>
             </a:r>
             <a:r>
               <a:rPr lang="ru-RU" sz="1800" dirty="0" smtClean="0"/>
@@ -4378,18 +4374,7 @@
                   </a:schemeClr>
                 </a:solidFill>
               </a:rPr>
-              <a:t>Цель курсовой работы – </a:t>
-            </a:r>
-            <a:r>
-              <a:rPr lang="ru-RU" sz="2800" dirty="0">
-                <a:solidFill>
-                  <a:schemeClr val="accent2">
-                    <a:lumMod val="60000"/>
-                    <a:lumOff val="40000"/>
-                  </a:schemeClr>
-                </a:solidFill>
-              </a:rPr>
-              <a:t>создание приложения, которое позволит взаимодействовать пользователю с социальной сетью </a:t>
+              <a:t>Цель курсовой работы – создание приложения, которое позволит взаимодействовать пользователю с социальной сетью </a:t>
             </a:r>
             <a:r>
               <a:rPr lang="ru-RU" sz="2800" dirty="0" err="1">
@@ -4478,16 +4463,32 @@
           <a:p>
             <a:pPr lvl="0"/>
             <a:r>
+              <a:rPr lang="ru-RU" dirty="0" smtClean="0"/>
+              <a:t>Создание </a:t>
+            </a:r>
+            <a:r>
               <a:rPr lang="ru-RU" dirty="0"/>
-              <a:t>Разработка интерфейса приложения.</a:t>
-            </a:r>
-          </a:p>
-          <a:p>
-            <a:pPr lvl="0"/>
-            <a:r>
-              <a:rPr lang="ru-RU" dirty="0"/>
-              <a:t>Создание программного обеспечения</a:t>
-            </a:r>
+              <a:t>программного </a:t>
+            </a:r>
+            <a:r>
+              <a:rPr lang="ru-RU" dirty="0" smtClean="0"/>
+              <a:t>обеспечения:</a:t>
+            </a:r>
+          </a:p>
+          <a:p>
+            <a:pPr lvl="1"/>
+            <a:r>
+              <a:rPr lang="ru-RU" dirty="0" smtClean="0"/>
+              <a:t>1)Наброска интерфейса</a:t>
+            </a:r>
+          </a:p>
+          <a:p>
+            <a:pPr lvl="1"/>
+            <a:r>
+              <a:rPr lang="ru-RU" dirty="0" smtClean="0"/>
+              <a:t>2)Написание программы</a:t>
+            </a:r>
+            <a:endParaRPr lang="ru-RU" dirty="0"/>
           </a:p>
         </p:txBody>
       </p:sp>
@@ -5582,6 +5583,15 @@
 </file>
 
 <file path=customXml/item1.xml><?xml version="1.0" encoding="utf-8"?>
+<?mso-contentType ?>
+<FormTemplates xmlns="http://schemas.microsoft.com/sharepoint/v3/contenttype/forms">
+  <Display>DocumentLibraryForm</Display>
+  <Edit>DocumentLibraryForm</Edit>
+  <New>DocumentLibraryForm</New>
+</FormTemplates>
+</file>
+
+<file path=customXml/item2.xml><?xml version="1.0" encoding="utf-8"?>
 <ct:contentTypeSchema xmlns:ct="http://schemas.microsoft.com/office/2006/metadata/contentType" xmlns:ma="http://schemas.microsoft.com/office/2006/metadata/properties/metaAttributes" ct:_="" ma:_="" ma:contentTypeName="Документ" ma:contentTypeID="0x010100D291B3FAD89F344896B1B545E4443487" ma:contentTypeVersion="9" ma:contentTypeDescription="Создание документа." ma:contentTypeScope="" ma:versionID="61e303829f5b0ff0ca444bbc37d6319a">
   <xsd:schema xmlns:xsd="http://www.w3.org/2001/XMLSchema" xmlns:xs="http://www.w3.org/2001/XMLSchema" xmlns:p="http://schemas.microsoft.com/office/2006/metadata/properties" xmlns:ns2="3daa6dc8-6ced-4dd6-b897-541ea2ac002e" xmlns:ns3="4aada115-1f06-4c08-ae6b-226095df60a9" targetNamespace="http://schemas.microsoft.com/office/2006/metadata/properties" ma:root="true" ma:fieldsID="defe3e786536054040370b82c4dd2a7a" ns2:_="" ns3:_="">
     <xsd:import namespace="3daa6dc8-6ced-4dd6-b897-541ea2ac002e"/>
@@ -5780,15 +5790,6 @@
 </ct:contentTypeSchema>
 </file>
 
-<file path=customXml/item2.xml><?xml version="1.0" encoding="utf-8"?>
-<?mso-contentType ?>
-<FormTemplates xmlns="http://schemas.microsoft.com/sharepoint/v3/contenttype/forms">
-  <Display>DocumentLibraryForm</Display>
-  <Edit>DocumentLibraryForm</Edit>
-  <New>DocumentLibraryForm</New>
-</FormTemplates>
-</file>
-
 <file path=customXml/item3.xml><?xml version="1.0" encoding="utf-8"?>
 <p:properties xmlns:p="http://schemas.microsoft.com/office/2006/metadata/properties" xmlns:xsi="http://www.w3.org/2001/XMLSchema-instance" xmlns:pc="http://schemas.microsoft.com/office/infopath/2007/PartnerControls">
   <documentManagement/>
@@ -5796,6 +5797,14 @@
 </file>
 
 <file path=customXml/itemProps1.xml><?xml version="1.0" encoding="utf-8"?>
+<ds:datastoreItem xmlns:ds="http://schemas.openxmlformats.org/officeDocument/2006/customXml" ds:itemID="{2CF754EE-3C73-4590-824E-AD6BA8EF8BE1}">
+  <ds:schemaRefs>
+    <ds:schemaRef ds:uri="http://schemas.microsoft.com/sharepoint/v3/contenttype/forms"/>
+  </ds:schemaRefs>
+</ds:datastoreItem>
+</file>
+
+<file path=customXml/itemProps2.xml><?xml version="1.0" encoding="utf-8"?>
 <ds:datastoreItem xmlns:ds="http://schemas.openxmlformats.org/officeDocument/2006/customXml" ds:itemID="{7253F48D-F66B-4CCF-9AFA-E2C469F87649}">
   <ds:schemaRefs>
     <ds:schemaRef ds:uri="http://schemas.microsoft.com/office/2006/metadata/contentType"/>
@@ -5810,14 +5819,6 @@
     <ds:schemaRef ds:uri="http://purl.org/dc/elements/1.1/"/>
     <ds:schemaRef ds:uri="http://purl.org/dc/terms/"/>
     <ds:schemaRef ds:uri="http://schemas.microsoft.com/internal/obd"/>
-  </ds:schemaRefs>
-</ds:datastoreItem>
-</file>
-
-<file path=customXml/itemProps2.xml><?xml version="1.0" encoding="utf-8"?>
-<ds:datastoreItem xmlns:ds="http://schemas.openxmlformats.org/officeDocument/2006/customXml" ds:itemID="{2CF754EE-3C73-4590-824E-AD6BA8EF8BE1}">
-  <ds:schemaRefs>
-    <ds:schemaRef ds:uri="http://schemas.microsoft.com/sharepoint/v3/contenttype/forms"/>
   </ds:schemaRefs>
 </ds:datastoreItem>
 </file>
